--- a/8. Dynamic_asset_trees/20220126_Dynamics_of_market_correlation_Taxonomy_and_portfolio_analysis.pptx
+++ b/8. Dynamic_asset_trees/20220126_Dynamics_of_market_correlation_Taxonomy_and_portfolio_analysis.pptx
@@ -251,7 +251,7 @@
           <a:p>
             <a:fld id="{6B57B034-E5FA-4A64-A9BA-24656C102022}" type="datetimeFigureOut">
               <a:rPr lang="ko-KR" altLang="en-US" smtClean="0"/>
-              <a:t>2022-01-27</a:t>
+              <a:t>2022-02-03</a:t>
             </a:fld>
             <a:endParaRPr lang="ko-KR" altLang="en-US"/>
           </a:p>
@@ -6515,7 +6515,7 @@
             <a:fld id="{AB830659-CE90-4711-BEE1-C6D87D46AFCD}" type="datetimeFigureOut">
               <a:rPr lang="ko-KR" altLang="en-US" smtClean="0"/>
               <a:pPr/>
-              <a:t>2022-01-27</a:t>
+              <a:t>2022-02-03</a:t>
             </a:fld>
             <a:endParaRPr lang="ko-KR" altLang="en-US"/>
           </a:p>
@@ -6715,7 +6715,7 @@
             <a:fld id="{AB830659-CE90-4711-BEE1-C6D87D46AFCD}" type="datetimeFigureOut">
               <a:rPr lang="ko-KR" altLang="en-US" smtClean="0"/>
               <a:pPr/>
-              <a:t>2022-01-27</a:t>
+              <a:t>2022-02-03</a:t>
             </a:fld>
             <a:endParaRPr lang="ko-KR" altLang="en-US"/>
           </a:p>
@@ -6925,7 +6925,7 @@
             <a:fld id="{AB830659-CE90-4711-BEE1-C6D87D46AFCD}" type="datetimeFigureOut">
               <a:rPr lang="ko-KR" altLang="en-US" smtClean="0"/>
               <a:pPr/>
-              <a:t>2022-01-27</a:t>
+              <a:t>2022-02-03</a:t>
             </a:fld>
             <a:endParaRPr lang="ko-KR" altLang="en-US"/>
           </a:p>
@@ -7125,7 +7125,7 @@
             <a:fld id="{AB830659-CE90-4711-BEE1-C6D87D46AFCD}" type="datetimeFigureOut">
               <a:rPr lang="ko-KR" altLang="en-US" smtClean="0"/>
               <a:pPr/>
-              <a:t>2022-01-27</a:t>
+              <a:t>2022-02-03</a:t>
             </a:fld>
             <a:endParaRPr lang="ko-KR" altLang="en-US"/>
           </a:p>
@@ -7402,7 +7402,7 @@
             <a:fld id="{AB830659-CE90-4711-BEE1-C6D87D46AFCD}" type="datetimeFigureOut">
               <a:rPr lang="ko-KR" altLang="en-US" smtClean="0"/>
               <a:pPr/>
-              <a:t>2022-01-27</a:t>
+              <a:t>2022-02-03</a:t>
             </a:fld>
             <a:endParaRPr lang="ko-KR" altLang="en-US"/>
           </a:p>
@@ -7669,7 +7669,7 @@
             <a:fld id="{AB830659-CE90-4711-BEE1-C6D87D46AFCD}" type="datetimeFigureOut">
               <a:rPr lang="ko-KR" altLang="en-US" smtClean="0"/>
               <a:pPr/>
-              <a:t>2022-01-27</a:t>
+              <a:t>2022-02-03</a:t>
             </a:fld>
             <a:endParaRPr lang="ko-KR" altLang="en-US"/>
           </a:p>
@@ -8083,7 +8083,7 @@
             <a:fld id="{AB830659-CE90-4711-BEE1-C6D87D46AFCD}" type="datetimeFigureOut">
               <a:rPr lang="ko-KR" altLang="en-US" smtClean="0"/>
               <a:pPr/>
-              <a:t>2022-01-27</a:t>
+              <a:t>2022-02-03</a:t>
             </a:fld>
             <a:endParaRPr lang="ko-KR" altLang="en-US"/>
           </a:p>
@@ -8226,7 +8226,7 @@
             <a:fld id="{AB830659-CE90-4711-BEE1-C6D87D46AFCD}" type="datetimeFigureOut">
               <a:rPr lang="ko-KR" altLang="en-US" smtClean="0"/>
               <a:pPr/>
-              <a:t>2022-01-27</a:t>
+              <a:t>2022-02-03</a:t>
             </a:fld>
             <a:endParaRPr lang="ko-KR" altLang="en-US"/>
           </a:p>
@@ -8341,7 +8341,7 @@
             <a:fld id="{AB830659-CE90-4711-BEE1-C6D87D46AFCD}" type="datetimeFigureOut">
               <a:rPr lang="ko-KR" altLang="en-US" smtClean="0"/>
               <a:pPr/>
-              <a:t>2022-01-27</a:t>
+              <a:t>2022-02-03</a:t>
             </a:fld>
             <a:endParaRPr lang="ko-KR" altLang="en-US"/>
           </a:p>
@@ -8654,7 +8654,7 @@
             <a:fld id="{AB830659-CE90-4711-BEE1-C6D87D46AFCD}" type="datetimeFigureOut">
               <a:rPr lang="ko-KR" altLang="en-US" smtClean="0"/>
               <a:pPr/>
-              <a:t>2022-01-27</a:t>
+              <a:t>2022-02-03</a:t>
             </a:fld>
             <a:endParaRPr lang="ko-KR" altLang="en-US"/>
           </a:p>
@@ -8944,7 +8944,7 @@
             <a:fld id="{AB830659-CE90-4711-BEE1-C6D87D46AFCD}" type="datetimeFigureOut">
               <a:rPr lang="ko-KR" altLang="en-US" smtClean="0"/>
               <a:pPr/>
-              <a:t>2022-01-27</a:t>
+              <a:t>2022-02-03</a:t>
             </a:fld>
             <a:endParaRPr lang="ko-KR" altLang="en-US"/>
           </a:p>
@@ -9193,7 +9193,7 @@
             <a:fld id="{AB830659-CE90-4711-BEE1-C6D87D46AFCD}" type="datetimeFigureOut">
               <a:rPr lang="ko-KR" altLang="en-US" smtClean="0"/>
               <a:pPr/>
-              <a:t>2022-01-27</a:t>
+              <a:t>2022-02-03</a:t>
             </a:fld>
             <a:endParaRPr lang="ko-KR" altLang="en-US"/>
           </a:p>
@@ -11294,7 +11294,7 @@
         <p:grpSpPr>
           <a:xfrm>
             <a:off x="856858" y="1150163"/>
-            <a:ext cx="10960767" cy="3506149"/>
+            <a:ext cx="10960767" cy="3870104"/>
             <a:chOff x="755576" y="404664"/>
             <a:chExt cx="7632848" cy="2736304"/>
           </a:xfrm>
@@ -11504,7 +11504,7 @@
             <p:spPr>
               <a:xfrm>
                 <a:off x="1361661" y="2930319"/>
-                <a:ext cx="10753960" cy="1499641"/>
+                <a:ext cx="10753960" cy="1776640"/>
               </a:xfrm>
               <a:prstGeom prst="rect">
                 <a:avLst/>
@@ -11703,6 +11703,18 @@
                   </a:rPr>
                   <a:t>is conceived to be located.</a:t>
                 </a:r>
+              </a:p>
+              <a:p>
+                <a:r>
+                  <a:rPr lang="en-US" altLang="ko-KR" dirty="0">
+                    <a:sym typeface="Wingdings" panose="05000000000000000000" pitchFamily="2" charset="2"/>
+                  </a:rPr>
+                  <a:t> </a:t>
+                </a:r>
+                <a:r>
+                  <a:rPr lang="en-US" altLang="ko-KR" dirty="0"/>
+                  <a:t>Root of the tree</a:t>
+                </a:r>
                 <a:endParaRPr lang="ko-KR" altLang="en-US" dirty="0"/>
               </a:p>
             </p:txBody>
@@ -11726,7 +11738,7 @@
             <p:spPr>
               <a:xfrm>
                 <a:off x="1361661" y="2930319"/>
-                <a:ext cx="10753960" cy="1499641"/>
+                <a:ext cx="10753960" cy="1776640"/>
               </a:xfrm>
               <a:prstGeom prst="rect">
                 <a:avLst/>
@@ -11734,7 +11746,7 @@
               <a:blipFill>
                 <a:blip r:embed="rId4"/>
                 <a:stretch>
-                  <a:fillRect l="-454" t="-2439" b="-5285"/>
+                  <a:fillRect l="-454" t="-2062" b="-4811"/>
                 </a:stretch>
               </a:blipFill>
             </p:spPr>
@@ -11753,178 +11765,6 @@
           </p:sp>
         </mc:Fallback>
       </mc:AlternateContent>
-      <p:grpSp>
-        <p:nvGrpSpPr>
-          <p:cNvPr id="14" name="그룹 13">
-            <a:extLst>
-              <a:ext uri="{FF2B5EF4-FFF2-40B4-BE49-F238E27FC236}">
-                <a16:creationId xmlns:a16="http://schemas.microsoft.com/office/drawing/2014/main" id="{230A13E6-C368-4AA5-88CE-3FAC9095EFDB}"/>
-              </a:ext>
-            </a:extLst>
-          </p:cNvPr>
-          <p:cNvGrpSpPr/>
-          <p:nvPr/>
-        </p:nvGrpSpPr>
-        <p:grpSpPr>
-          <a:xfrm>
-            <a:off x="856858" y="4748579"/>
-            <a:ext cx="10960766" cy="1639383"/>
-            <a:chOff x="755576" y="404664"/>
-            <a:chExt cx="7632848" cy="2736304"/>
-          </a:xfrm>
-        </p:grpSpPr>
-        <p:sp>
-          <p:nvSpPr>
-            <p:cNvPr id="15" name="직사각형 14">
-              <a:extLst>
-                <a:ext uri="{FF2B5EF4-FFF2-40B4-BE49-F238E27FC236}">
-                  <a16:creationId xmlns:a16="http://schemas.microsoft.com/office/drawing/2014/main" id="{1E17BB3C-2D3F-43D7-A475-C541925CBBA1}"/>
-                </a:ext>
-              </a:extLst>
-            </p:cNvPr>
-            <p:cNvSpPr/>
-            <p:nvPr/>
-          </p:nvSpPr>
-          <p:spPr>
-            <a:xfrm>
-              <a:off x="755576" y="404664"/>
-              <a:ext cx="7632848" cy="2736304"/>
-            </a:xfrm>
-            <a:prstGeom prst="rect">
-              <a:avLst/>
-            </a:prstGeom>
-            <a:solidFill>
-              <a:schemeClr val="bg1"/>
-            </a:solidFill>
-            <a:ln>
-              <a:noFill/>
-            </a:ln>
-          </p:spPr>
-          <p:style>
-            <a:lnRef idx="2">
-              <a:schemeClr val="accent1">
-                <a:shade val="50000"/>
-              </a:schemeClr>
-            </a:lnRef>
-            <a:fillRef idx="1">
-              <a:schemeClr val="accent1"/>
-            </a:fillRef>
-            <a:effectRef idx="0">
-              <a:schemeClr val="accent1"/>
-            </a:effectRef>
-            <a:fontRef idx="minor">
-              <a:schemeClr val="lt1"/>
-            </a:fontRef>
-          </p:style>
-          <p:txBody>
-            <a:bodyPr rtlCol="0" anchor="ctr"/>
-            <a:lstStyle/>
-            <a:p>
-              <a:pPr algn="ctr"/>
-              <a:endParaRPr lang="ko-KR" altLang="en-US"/>
-            </a:p>
-          </p:txBody>
-        </p:sp>
-        <p:sp>
-          <p:nvSpPr>
-            <p:cNvPr id="16" name="직사각형 15">
-              <a:extLst>
-                <a:ext uri="{FF2B5EF4-FFF2-40B4-BE49-F238E27FC236}">
-                  <a16:creationId xmlns:a16="http://schemas.microsoft.com/office/drawing/2014/main" id="{3EAFC04B-86C5-4177-904B-94B53AD93BAB}"/>
-                </a:ext>
-              </a:extLst>
-            </p:cNvPr>
-            <p:cNvSpPr/>
-            <p:nvPr/>
-          </p:nvSpPr>
-          <p:spPr>
-            <a:xfrm>
-              <a:off x="827584" y="476672"/>
-              <a:ext cx="7488832" cy="2592288"/>
-            </a:xfrm>
-            <a:prstGeom prst="rect">
-              <a:avLst/>
-            </a:prstGeom>
-            <a:solidFill>
-              <a:schemeClr val="bg1"/>
-            </a:solidFill>
-            <a:ln w="38100">
-              <a:solidFill>
-                <a:schemeClr val="accent1">
-                  <a:lumMod val="60000"/>
-                  <a:lumOff val="40000"/>
-                </a:schemeClr>
-              </a:solidFill>
-            </a:ln>
-          </p:spPr>
-          <p:style>
-            <a:lnRef idx="2">
-              <a:schemeClr val="accent1">
-                <a:shade val="50000"/>
-              </a:schemeClr>
-            </a:lnRef>
-            <a:fillRef idx="1">
-              <a:schemeClr val="accent1"/>
-            </a:fillRef>
-            <a:effectRef idx="0">
-              <a:schemeClr val="accent1"/>
-            </a:effectRef>
-            <a:fontRef idx="minor">
-              <a:schemeClr val="lt1"/>
-            </a:fontRef>
-          </p:style>
-          <p:txBody>
-            <a:bodyPr rtlCol="0" anchor="ctr"/>
-            <a:lstStyle/>
-            <a:p>
-              <a:pPr algn="ctr"/>
-              <a:endParaRPr lang="ko-KR" altLang="en-US" dirty="0"/>
-            </a:p>
-          </p:txBody>
-        </p:sp>
-      </p:grpSp>
-      <p:sp>
-        <p:nvSpPr>
-          <p:cNvPr id="17" name="TextBox 16">
-            <a:extLst>
-              <a:ext uri="{FF2B5EF4-FFF2-40B4-BE49-F238E27FC236}">
-                <a16:creationId xmlns:a16="http://schemas.microsoft.com/office/drawing/2014/main" id="{99531E0C-5178-476F-BDFF-34ED105E4EC7}"/>
-              </a:ext>
-            </a:extLst>
-          </p:cNvPr>
-          <p:cNvSpPr txBox="1"/>
-          <p:nvPr/>
-        </p:nvSpPr>
-        <p:spPr>
-          <a:xfrm>
-            <a:off x="1156564" y="5049078"/>
-            <a:ext cx="10352949" cy="923330"/>
-          </a:xfrm>
-          <a:prstGeom prst="rect">
-            <a:avLst/>
-          </a:prstGeom>
-          <a:noFill/>
-        </p:spPr>
-        <p:txBody>
-          <a:bodyPr wrap="square" rtlCol="0">
-            <a:spAutoFit/>
-          </a:bodyPr>
-          <a:lstStyle/>
-          <a:p>
-            <a:r>
-              <a:rPr lang="en-US" altLang="ko-KR" dirty="0"/>
-              <a:t>The central vertex</a:t>
-            </a:r>
-          </a:p>
-          <a:p>
-            <a:r>
-              <a:rPr lang="en-US" altLang="ko-KR" dirty="0"/>
-              <a:t>- the root of the tree. It is used as the reference point in the tree, against which the locations of all other nodes are relative.</a:t>
-            </a:r>
-            <a:endParaRPr lang="ko-KR" altLang="en-US" dirty="0"/>
-          </a:p>
-        </p:txBody>
-      </p:sp>
     </p:spTree>
     <p:extLst>
       <p:ext uri="{BB962C8B-B14F-4D97-AF65-F5344CB8AC3E}">
@@ -12311,8 +12151,8 @@
           </p:txBody>
         </p:sp>
       </p:grpSp>
-      <mc:AlternateContent xmlns:mc="http://schemas.openxmlformats.org/markup-compatibility/2006">
-        <mc:Choice xmlns:a14="http://schemas.microsoft.com/office/drawing/2010/main" Requires="a14">
+      <mc:AlternateContent xmlns:mc="http://schemas.openxmlformats.org/markup-compatibility/2006" xmlns:a14="http://schemas.microsoft.com/office/drawing/2010/main">
+        <mc:Choice Requires="a14">
           <p:sp>
             <p:nvSpPr>
               <p:cNvPr id="18" name="직사각형 17">
@@ -12462,7 +12302,7 @@
             </p:txBody>
           </p:sp>
         </mc:Choice>
-        <mc:Fallback>
+        <mc:Fallback xmlns="">
           <p:sp>
             <p:nvSpPr>
               <p:cNvPr id="18" name="직사각형 17">
@@ -12967,8 +12807,8 @@
           </p:txBody>
         </p:sp>
       </p:grpSp>
-      <mc:AlternateContent xmlns:mc="http://schemas.openxmlformats.org/markup-compatibility/2006">
-        <mc:Choice xmlns:a14="http://schemas.microsoft.com/office/drawing/2010/main" Requires="a14">
+      <mc:AlternateContent xmlns:mc="http://schemas.openxmlformats.org/markup-compatibility/2006" xmlns:a14="http://schemas.microsoft.com/office/drawing/2010/main">
+        <mc:Choice Requires="a14">
           <p:sp>
             <p:nvSpPr>
               <p:cNvPr id="18" name="직사각형 17">
@@ -13147,7 +12987,7 @@
             </p:txBody>
           </p:sp>
         </mc:Choice>
-        <mc:Fallback>
+        <mc:Fallback xmlns="">
           <p:sp>
             <p:nvSpPr>
               <p:cNvPr id="18" name="직사각형 17">
@@ -15456,8 +15296,16 @@
           <a:lstStyle/>
           <a:p>
             <a:r>
-              <a:rPr lang="en-US" altLang="ko-KR" dirty="0"/>
-              <a:t>complete and incomplete</a:t>
+              <a:rPr lang="en-US" altLang="ko-KR" b="1" dirty="0"/>
+              <a:t>Complete</a:t>
+            </a:r>
+            <a:r>
+              <a:rPr lang="en-US" altLang="ko-KR" dirty="0"/>
+              <a:t> and </a:t>
+            </a:r>
+            <a:r>
+              <a:rPr lang="en-US" altLang="ko-KR" b="1" dirty="0"/>
+              <a:t>incomplete</a:t>
             </a:r>
           </a:p>
           <a:p>
@@ -15467,7 +15315,7 @@
             </a:pPr>
             <a:r>
               <a:rPr lang="en-US" altLang="ko-KR" dirty="0"/>
-              <a:t>A complete luster contains all the companies of the studied set belonging to the corresponding business sector, so that none are left outside the cluster. </a:t>
+              <a:t>A complete cluster contains all the companies of the studied set belonging to the corresponding business sector, so that none are left outside the cluster. </a:t>
             </a:r>
           </a:p>
           <a:p>
